--- a/Lending Club Case Study.pptx
+++ b/Lending Club Case Study.pptx
@@ -119,13 +119,18 @@
       </a:defRPr>
     </a:lvl9pPr>
   </p:defaultTextStyle>
+  <p:extLst>
+    <p:ext uri="{EFAFB233-063F-42B5-8137-9DF3F51BA10A}">
+      <p15:sldGuideLst xmlns:p15="http://schemas.microsoft.com/office/powerpoint/2012/main"/>
+    </p:ext>
+  </p:extLst>
 </p:presentation>
 </file>
 
 <file path=ppt/revisionInfo.xml><?xml version="1.0" encoding="utf-8"?>
 <p1510:revInfo xmlns:a="http://schemas.openxmlformats.org/drawingml/2006/main" xmlns:r="http://schemas.openxmlformats.org/officeDocument/2006/relationships" xmlns:p1510="http://schemas.microsoft.com/office/powerpoint/2015/10/main">
   <p1510:revLst>
-    <p1510:client id="{70DCBC2F-9DEB-4EA6-9B11-0CC6F74C9CDC}" v="350" dt="2023-02-05T19:11:51.714"/>
+    <p1510:client id="{70DCBC2F-9DEB-4EA6-9B11-0CC6F74C9CDC}" v="375" dt="2023-02-05T19:29:48.463"/>
   </p1510:revLst>
 </p1510:revInfo>
 </file>
@@ -135,12 +140,19 @@
   <pc:docChgLst>
     <pc:chgData name="Mickell Als" userId="8f23b69a5ccd5904" providerId="LiveId" clId="{70DCBC2F-9DEB-4EA6-9B11-0CC6F74C9CDC}"/>
     <pc:docChg chg="undo custSel addSld delSld modSld">
-      <pc:chgData name="Mickell Als" userId="8f23b69a5ccd5904" providerId="LiveId" clId="{70DCBC2F-9DEB-4EA6-9B11-0CC6F74C9CDC}" dt="2023-02-05T19:11:51.714" v="6208" actId="20577"/>
+      <pc:chgData name="Mickell Als" userId="8f23b69a5ccd5904" providerId="LiveId" clId="{70DCBC2F-9DEB-4EA6-9B11-0CC6F74C9CDC}" dt="2023-02-05T19:29:48.463" v="6233"/>
       <pc:docMkLst>
         <pc:docMk/>
       </pc:docMkLst>
-      <pc:sldChg chg="addSp delSp modSp mod setBg setClrOvrMap">
-        <pc:chgData name="Mickell Als" userId="8f23b69a5ccd5904" providerId="LiveId" clId="{70DCBC2F-9DEB-4EA6-9B11-0CC6F74C9CDC}" dt="2023-02-05T18:57:25.138" v="5917" actId="13822"/>
+      <pc:sldChg chg="modTransition">
+        <pc:chgData name="Mickell Als" userId="8f23b69a5ccd5904" providerId="LiveId" clId="{70DCBC2F-9DEB-4EA6-9B11-0CC6F74C9CDC}" dt="2023-02-05T19:29:21.029" v="6221"/>
+        <pc:sldMkLst>
+          <pc:docMk/>
+          <pc:sldMk cId="1820510989" sldId="256"/>
+        </pc:sldMkLst>
+      </pc:sldChg>
+      <pc:sldChg chg="addSp delSp modSp mod modTransition setBg setClrOvrMap">
+        <pc:chgData name="Mickell Als" userId="8f23b69a5ccd5904" providerId="LiveId" clId="{70DCBC2F-9DEB-4EA6-9B11-0CC6F74C9CDC}" dt="2023-02-05T19:29:22.174" v="6222"/>
         <pc:sldMkLst>
           <pc:docMk/>
           <pc:sldMk cId="683487117" sldId="257"/>
@@ -266,8 +278,8 @@
           </ac:graphicFrameMkLst>
         </pc:graphicFrameChg>
       </pc:sldChg>
-      <pc:sldChg chg="addSp modSp mod setBg">
-        <pc:chgData name="Mickell Als" userId="8f23b69a5ccd5904" providerId="LiveId" clId="{70DCBC2F-9DEB-4EA6-9B11-0CC6F74C9CDC}" dt="2023-02-05T16:32:25.695" v="387" actId="14100"/>
+      <pc:sldChg chg="addSp modSp mod modTransition setBg">
+        <pc:chgData name="Mickell Als" userId="8f23b69a5ccd5904" providerId="LiveId" clId="{70DCBC2F-9DEB-4EA6-9B11-0CC6F74C9CDC}" dt="2023-02-05T19:29:23.622" v="6223"/>
         <pc:sldMkLst>
           <pc:docMk/>
           <pc:sldMk cId="3724907364" sldId="258"/>
@@ -321,8 +333,8 @@
           </ac:picMkLst>
         </pc:picChg>
       </pc:sldChg>
-      <pc:sldChg chg="addSp delSp modSp mod modClrScheme chgLayout">
-        <pc:chgData name="Mickell Als" userId="8f23b69a5ccd5904" providerId="LiveId" clId="{70DCBC2F-9DEB-4EA6-9B11-0CC6F74C9CDC}" dt="2023-02-05T17:08:50.541" v="1367" actId="207"/>
+      <pc:sldChg chg="addSp delSp modSp mod modTransition modClrScheme chgLayout">
+        <pc:chgData name="Mickell Als" userId="8f23b69a5ccd5904" providerId="LiveId" clId="{70DCBC2F-9DEB-4EA6-9B11-0CC6F74C9CDC}" dt="2023-02-05T19:29:25.464" v="6224"/>
         <pc:sldMkLst>
           <pc:docMk/>
           <pc:sldMk cId="3045159462" sldId="259"/>
@@ -391,8 +403,8 @@
           <pc:sldMk cId="4137533255" sldId="260"/>
         </pc:sldMkLst>
       </pc:sldChg>
-      <pc:sldChg chg="addSp delSp modSp new mod setBg modClrScheme chgLayout">
-        <pc:chgData name="Mickell Als" userId="8f23b69a5ccd5904" providerId="LiveId" clId="{70DCBC2F-9DEB-4EA6-9B11-0CC6F74C9CDC}" dt="2023-02-05T19:00:12.559" v="6131" actId="20577"/>
+      <pc:sldChg chg="addSp delSp modSp new mod modTransition setBg modClrScheme chgLayout">
+        <pc:chgData name="Mickell Als" userId="8f23b69a5ccd5904" providerId="LiveId" clId="{70DCBC2F-9DEB-4EA6-9B11-0CC6F74C9CDC}" dt="2023-02-05T19:29:27.672" v="6225"/>
         <pc:sldMkLst>
           <pc:docMk/>
           <pc:sldMk cId="409101721" sldId="261"/>
@@ -494,8 +506,8 @@
           </ac:picMkLst>
         </pc:picChg>
       </pc:sldChg>
-      <pc:sldChg chg="addSp delSp modSp new mod setBg modClrScheme chgLayout">
-        <pc:chgData name="Mickell Als" userId="8f23b69a5ccd5904" providerId="LiveId" clId="{70DCBC2F-9DEB-4EA6-9B11-0CC6F74C9CDC}" dt="2023-02-05T17:04:15.877" v="1078" actId="20577"/>
+      <pc:sldChg chg="addSp delSp modSp new mod modTransition setBg modClrScheme chgLayout">
+        <pc:chgData name="Mickell Als" userId="8f23b69a5ccd5904" providerId="LiveId" clId="{70DCBC2F-9DEB-4EA6-9B11-0CC6F74C9CDC}" dt="2023-02-05T19:29:34.233" v="6226"/>
         <pc:sldMkLst>
           <pc:docMk/>
           <pc:sldMk cId="1347171374" sldId="262"/>
@@ -605,8 +617,8 @@
           </ac:picMkLst>
         </pc:picChg>
       </pc:sldChg>
-      <pc:sldChg chg="addSp delSp modSp new mod">
-        <pc:chgData name="Mickell Als" userId="8f23b69a5ccd5904" providerId="LiveId" clId="{70DCBC2F-9DEB-4EA6-9B11-0CC6F74C9CDC}" dt="2023-02-05T19:01:58.064" v="6181" actId="14100"/>
+      <pc:sldChg chg="addSp delSp modSp new mod modTransition">
+        <pc:chgData name="Mickell Als" userId="8f23b69a5ccd5904" providerId="LiveId" clId="{70DCBC2F-9DEB-4EA6-9B11-0CC6F74C9CDC}" dt="2023-02-05T19:29:36.974" v="6227"/>
         <pc:sldMkLst>
           <pc:docMk/>
           <pc:sldMk cId="3008916059" sldId="263"/>
@@ -644,8 +656,8 @@
           </ac:picMkLst>
         </pc:picChg>
       </pc:sldChg>
-      <pc:sldChg chg="addSp delSp modSp new mod">
-        <pc:chgData name="Mickell Als" userId="8f23b69a5ccd5904" providerId="LiveId" clId="{70DCBC2F-9DEB-4EA6-9B11-0CC6F74C9CDC}" dt="2023-02-05T19:02:43.380" v="6184" actId="20577"/>
+      <pc:sldChg chg="addSp delSp modSp new mod modTransition">
+        <pc:chgData name="Mickell Als" userId="8f23b69a5ccd5904" providerId="LiveId" clId="{70DCBC2F-9DEB-4EA6-9B11-0CC6F74C9CDC}" dt="2023-02-05T19:29:38.842" v="6228"/>
         <pc:sldMkLst>
           <pc:docMk/>
           <pc:sldMk cId="3767808560" sldId="264"/>
@@ -683,8 +695,8 @@
           </ac:picMkLst>
         </pc:picChg>
       </pc:sldChg>
-      <pc:sldChg chg="addSp delSp modSp new mod">
-        <pc:chgData name="Mickell Als" userId="8f23b69a5ccd5904" providerId="LiveId" clId="{70DCBC2F-9DEB-4EA6-9B11-0CC6F74C9CDC}" dt="2023-02-05T19:03:39.379" v="6186" actId="1076"/>
+      <pc:sldChg chg="addSp delSp modSp new mod modTransition">
+        <pc:chgData name="Mickell Als" userId="8f23b69a5ccd5904" providerId="LiveId" clId="{70DCBC2F-9DEB-4EA6-9B11-0CC6F74C9CDC}" dt="2023-02-05T19:29:40.672" v="6229"/>
         <pc:sldMkLst>
           <pc:docMk/>
           <pc:sldMk cId="3751837148" sldId="265"/>
@@ -746,8 +758,8 @@
           </ac:picMkLst>
         </pc:picChg>
       </pc:sldChg>
-      <pc:sldChg chg="addSp delSp modSp new mod">
-        <pc:chgData name="Mickell Als" userId="8f23b69a5ccd5904" providerId="LiveId" clId="{70DCBC2F-9DEB-4EA6-9B11-0CC6F74C9CDC}" dt="2023-02-05T19:04:13.114" v="6187" actId="12"/>
+      <pc:sldChg chg="addSp delSp modSp new mod modTransition">
+        <pc:chgData name="Mickell Als" userId="8f23b69a5ccd5904" providerId="LiveId" clId="{70DCBC2F-9DEB-4EA6-9B11-0CC6F74C9CDC}" dt="2023-02-05T19:29:42.633" v="6230"/>
         <pc:sldMkLst>
           <pc:docMk/>
           <pc:sldMk cId="3781842360" sldId="266"/>
@@ -801,8 +813,8 @@
           </ac:picMkLst>
         </pc:picChg>
       </pc:sldChg>
-      <pc:sldChg chg="addSp delSp modSp new mod setBg">
-        <pc:chgData name="Mickell Als" userId="8f23b69a5ccd5904" providerId="LiveId" clId="{70DCBC2F-9DEB-4EA6-9B11-0CC6F74C9CDC}" dt="2023-02-05T19:04:29.690" v="6189" actId="14100"/>
+      <pc:sldChg chg="addSp delSp modSp new mod modTransition setBg">
+        <pc:chgData name="Mickell Als" userId="8f23b69a5ccd5904" providerId="LiveId" clId="{70DCBC2F-9DEB-4EA6-9B11-0CC6F74C9CDC}" dt="2023-02-05T19:29:44.412" v="6231"/>
         <pc:sldMkLst>
           <pc:docMk/>
           <pc:sldMk cId="3007917289" sldId="267"/>
@@ -888,8 +900,8 @@
           </ac:picMkLst>
         </pc:picChg>
       </pc:sldChg>
-      <pc:sldChg chg="addSp delSp modSp new mod setBg">
-        <pc:chgData name="Mickell Als" userId="8f23b69a5ccd5904" providerId="LiveId" clId="{70DCBC2F-9DEB-4EA6-9B11-0CC6F74C9CDC}" dt="2023-02-05T19:06:20.415" v="6203" actId="20577"/>
+      <pc:sldChg chg="addSp delSp modSp new mod modTransition setBg">
+        <pc:chgData name="Mickell Als" userId="8f23b69a5ccd5904" providerId="LiveId" clId="{70DCBC2F-9DEB-4EA6-9B11-0CC6F74C9CDC}" dt="2023-02-05T19:29:46.222" v="6232"/>
         <pc:sldMkLst>
           <pc:docMk/>
           <pc:sldMk cId="3931915897" sldId="268"/>
@@ -1252,7 +1264,7 @@
         </pc:picChg>
       </pc:sldChg>
       <pc:sldChg chg="addSp delSp modSp new mod modTransition setBg modClrScheme setClrOvrMap chgLayout">
-        <pc:chgData name="Mickell Als" userId="8f23b69a5ccd5904" providerId="LiveId" clId="{70DCBC2F-9DEB-4EA6-9B11-0CC6F74C9CDC}" dt="2023-02-05T19:11:51.714" v="6208" actId="20577"/>
+        <pc:chgData name="Mickell Als" userId="8f23b69a5ccd5904" providerId="LiveId" clId="{70DCBC2F-9DEB-4EA6-9B11-0CC6F74C9CDC}" dt="2023-02-05T19:29:48.463" v="6233"/>
         <pc:sldMkLst>
           <pc:docMk/>
           <pc:sldMk cId="2583860361" sldId="272"/>
@@ -13403,18 +13415,6 @@
   <p:clrMapOvr>
     <a:masterClrMapping/>
   </p:clrMapOvr>
-  <mc:AlternateContent xmlns:mc="http://schemas.openxmlformats.org/markup-compatibility/2006">
-    <mc:Choice xmlns:p159="http://schemas.microsoft.com/office/powerpoint/2015/09/main" Requires="p159">
-      <p:transition xmlns:p14="http://schemas.microsoft.com/office/powerpoint/2010/main" spd="slow" p14:dur="2000">
-        <p159:morph option="byObject"/>
-      </p:transition>
-    </mc:Choice>
-    <mc:Fallback>
-      <p:transition spd="slow">
-        <p:fade/>
-      </p:transition>
-    </mc:Fallback>
-  </mc:AlternateContent>
 </p:sld>
 </file>
 
